--- a/Dia16set/exercícios.pptx
+++ b/Dia16set/exercícios.pptx
@@ -3389,7 +3389,7 @@
           <a:p>
             <a:pPr indent="226695"/>
             <a:r>
-              <a:rPr lang="pt-BR" sz="2400" b="1" dirty="0">
+              <a:rPr lang="pt-BR" sz="2400" b="1">
                 <a:solidFill>
                   <a:srgbClr val="000000"/>
                 </a:solidFill>
@@ -3399,7 +3399,7 @@
               </a:rPr>
               <a:t>1. Média, Mediana e Moda</a:t>
             </a:r>
-            <a:endParaRPr lang="pt-BR" sz="2400" dirty="0">
+            <a:endParaRPr lang="pt-BR" sz="2400">
               <a:solidFill>
                 <a:srgbClr val="000000"/>
               </a:solidFill>
@@ -3418,7 +3418,7 @@
               </a:tabLst>
             </a:pPr>
             <a:r>
-              <a:rPr lang="pt-BR" sz="2400" b="1" dirty="0">
+              <a:rPr lang="pt-BR" sz="2400" b="1">
                 <a:solidFill>
                   <a:srgbClr val="000000"/>
                 </a:solidFill>
@@ -3429,7 +3429,7 @@
               <a:t>Descrição:</a:t>
             </a:r>
             <a:r>
-              <a:rPr lang="pt-BR" sz="2400" dirty="0">
+              <a:rPr lang="pt-BR" sz="2400">
                 <a:solidFill>
                   <a:srgbClr val="000000"/>
                 </a:solidFill>
@@ -3439,7 +3439,7 @@
               </a:rPr>
               <a:t> Calcule medidas de tendência central.</a:t>
             </a:r>
-            <a:endParaRPr lang="pt-BR" sz="2400" dirty="0">
+            <a:endParaRPr lang="pt-BR" sz="2400">
               <a:solidFill>
                 <a:srgbClr val="000000"/>
               </a:solidFill>
@@ -3458,7 +3458,7 @@
               </a:tabLst>
             </a:pPr>
             <a:r>
-              <a:rPr lang="pt-BR" sz="2400" b="1" dirty="0">
+              <a:rPr lang="pt-BR" sz="2400" b="1">
                 <a:solidFill>
                   <a:srgbClr val="000000"/>
                 </a:solidFill>
@@ -3468,7 +3468,7 @@
               </a:rPr>
               <a:t>Tarefa:</a:t>
             </a:r>
-            <a:endParaRPr lang="pt-BR" sz="2400" dirty="0">
+            <a:endParaRPr lang="pt-BR" sz="2400">
               <a:solidFill>
                 <a:srgbClr val="000000"/>
               </a:solidFill>
@@ -3486,7 +3486,7 @@
               </a:tabLst>
             </a:pPr>
             <a:r>
-              <a:rPr lang="pt-BR" sz="2400" dirty="0">
+              <a:rPr lang="pt-BR" sz="2400">
                 <a:solidFill>
                   <a:srgbClr val="000000"/>
                 </a:solidFill>
@@ -3496,7 +3496,7 @@
               </a:rPr>
               <a:t>Crie uma lista de 10 números aleatórios entre 1 e 50.</a:t>
             </a:r>
-            <a:endParaRPr lang="pt-BR" sz="2400" dirty="0">
+            <a:endParaRPr lang="pt-BR" sz="2400">
               <a:solidFill>
                 <a:srgbClr val="000000"/>
               </a:solidFill>
@@ -3514,7 +3514,7 @@
               </a:tabLst>
             </a:pPr>
             <a:r>
-              <a:rPr lang="pt-BR" sz="2400" dirty="0">
+              <a:rPr lang="pt-BR" sz="2400">
                 <a:solidFill>
                   <a:srgbClr val="000000"/>
                 </a:solidFill>
@@ -3525,7 +3525,7 @@
               <a:t>Calcule a </a:t>
             </a:r>
             <a:r>
-              <a:rPr lang="pt-BR" sz="2400" b="1" dirty="0">
+              <a:rPr lang="pt-BR" sz="2400" b="1">
                 <a:solidFill>
                   <a:srgbClr val="000000"/>
                 </a:solidFill>
@@ -3536,7 +3536,7 @@
               <a:t>média</a:t>
             </a:r>
             <a:r>
-              <a:rPr lang="pt-BR" sz="2400" dirty="0">
+              <a:rPr lang="pt-BR" sz="2400">
                 <a:solidFill>
                   <a:srgbClr val="000000"/>
                 </a:solidFill>
@@ -3547,7 +3547,7 @@
               <a:t>, </a:t>
             </a:r>
             <a:r>
-              <a:rPr lang="pt-BR" sz="2400" b="1" dirty="0">
+              <a:rPr lang="pt-BR" sz="2400" b="1">
                 <a:solidFill>
                   <a:srgbClr val="000000"/>
                 </a:solidFill>
@@ -3558,7 +3558,7 @@
               <a:t>mediana</a:t>
             </a:r>
             <a:r>
-              <a:rPr lang="pt-BR" sz="2400" dirty="0">
+              <a:rPr lang="pt-BR" sz="2400">
                 <a:solidFill>
                   <a:srgbClr val="000000"/>
                 </a:solidFill>
@@ -3569,7 +3569,7 @@
               <a:t> e </a:t>
             </a:r>
             <a:r>
-              <a:rPr lang="pt-BR" sz="2400" b="1" dirty="0">
+              <a:rPr lang="pt-BR" sz="2400" b="1">
                 <a:solidFill>
                   <a:srgbClr val="000000"/>
                 </a:solidFill>
@@ -3580,7 +3580,7 @@
               <a:t>moda</a:t>
             </a:r>
             <a:r>
-              <a:rPr lang="pt-BR" sz="2400" dirty="0">
+              <a:rPr lang="pt-BR" sz="2400">
                 <a:solidFill>
                   <a:srgbClr val="000000"/>
                 </a:solidFill>
@@ -3590,7 +3590,7 @@
               </a:rPr>
               <a:t>.</a:t>
             </a:r>
-            <a:endParaRPr lang="pt-BR" sz="2400" dirty="0">
+            <a:endParaRPr lang="pt-BR" sz="2400">
               <a:solidFill>
                 <a:srgbClr val="000000"/>
               </a:solidFill>
@@ -3609,7 +3609,7 @@
               </a:tabLst>
             </a:pPr>
             <a:r>
-              <a:rPr lang="pt-BR" sz="2400" b="1" dirty="0">
+              <a:rPr lang="pt-BR" sz="2400" b="1">
                 <a:solidFill>
                   <a:srgbClr val="000000"/>
                 </a:solidFill>
@@ -3620,7 +3620,7 @@
               <a:t>Dica:</a:t>
             </a:r>
             <a:r>
-              <a:rPr lang="pt-BR" sz="2400" dirty="0">
+              <a:rPr lang="pt-BR" sz="2400">
                 <a:solidFill>
                   <a:srgbClr val="000000"/>
                 </a:solidFill>
@@ -3631,7 +3631,7 @@
               <a:t> Use </a:t>
             </a:r>
             <a:r>
-              <a:rPr lang="pt-BR" sz="2400" dirty="0" err="1">
+              <a:rPr lang="pt-BR" sz="2400" err="1">
                 <a:solidFill>
                   <a:srgbClr val="000000"/>
                 </a:solidFill>
@@ -3642,7 +3642,7 @@
               <a:t>numpy</a:t>
             </a:r>
             <a:r>
-              <a:rPr lang="pt-BR" sz="2400" dirty="0">
+              <a:rPr lang="pt-BR" sz="2400">
                 <a:solidFill>
                   <a:srgbClr val="000000"/>
                 </a:solidFill>
@@ -3653,7 +3653,7 @@
               <a:t> e </a:t>
             </a:r>
             <a:r>
-              <a:rPr lang="pt-BR" sz="2400" dirty="0" err="1">
+              <a:rPr lang="pt-BR" sz="2400" err="1">
                 <a:solidFill>
                   <a:srgbClr val="000000"/>
                 </a:solidFill>
@@ -3664,7 +3664,7 @@
               <a:t>statistics</a:t>
             </a:r>
             <a:r>
-              <a:rPr lang="pt-BR" sz="2400" dirty="0">
+              <a:rPr lang="pt-BR" sz="2400">
                 <a:solidFill>
                   <a:srgbClr val="000000"/>
                 </a:solidFill>
@@ -3674,7 +3674,7 @@
               </a:rPr>
               <a:t>.</a:t>
             </a:r>
-            <a:endParaRPr lang="pt-BR" sz="2400" dirty="0">
+            <a:endParaRPr lang="pt-BR" sz="2400">
               <a:solidFill>
                 <a:srgbClr val="000000"/>
               </a:solidFill>
@@ -3714,7 +3714,7 @@
           <a:p>
             <a:pPr indent="226695"/>
             <a:r>
-              <a:rPr lang="pt-BR" sz="2800" dirty="0">
+              <a:rPr lang="pt-BR" sz="2800">
                 <a:solidFill>
                   <a:srgbClr val="000000"/>
                 </a:solidFill>
@@ -3723,7 +3723,7 @@
               </a:rPr>
               <a:t># 1. Criar lista de 10 números aleatórios entre 1 e 50</a:t>
             </a:r>
-            <a:endParaRPr lang="pt-BR" sz="2800" dirty="0">
+            <a:endParaRPr lang="pt-BR" sz="2800">
               <a:solidFill>
                 <a:srgbClr val="000000"/>
               </a:solidFill>
@@ -3734,7 +3734,7 @@
           <a:p>
             <a:pPr indent="226695"/>
             <a:r>
-              <a:rPr lang="pt-BR" sz="2800" dirty="0" err="1">
+              <a:rPr lang="pt-BR" sz="2800" err="1">
                 <a:solidFill>
                   <a:srgbClr val="000000"/>
                 </a:solidFill>
@@ -3744,7 +3744,7 @@
               <a:t>numeros</a:t>
             </a:r>
             <a:r>
-              <a:rPr lang="pt-BR" sz="2800" dirty="0">
+              <a:rPr lang="pt-BR" sz="2800">
                 <a:solidFill>
                   <a:srgbClr val="000000"/>
                 </a:solidFill>
@@ -3754,7 +3754,7 @@
               <a:t> = [</a:t>
             </a:r>
             <a:r>
-              <a:rPr lang="pt-BR" sz="2800" dirty="0" err="1">
+              <a:rPr lang="pt-BR" sz="2800" err="1">
                 <a:solidFill>
                   <a:srgbClr val="000000"/>
                 </a:solidFill>
@@ -3764,7 +3764,7 @@
               <a:t>random.randint</a:t>
             </a:r>
             <a:r>
-              <a:rPr lang="pt-BR" sz="2800" dirty="0">
+              <a:rPr lang="pt-BR" sz="2800">
                 <a:solidFill>
                   <a:srgbClr val="000000"/>
                 </a:solidFill>
@@ -3773,7 +3773,7 @@
               </a:rPr>
               <a:t>(1, 50) for _ in range(10)]</a:t>
             </a:r>
-            <a:endParaRPr lang="pt-BR" sz="2800" dirty="0">
+            <a:endParaRPr lang="pt-BR" sz="2800">
               <a:solidFill>
                 <a:srgbClr val="000000"/>
               </a:solidFill>
@@ -3784,7 +3784,7 @@
           <a:p>
             <a:pPr indent="226695"/>
             <a:r>
-              <a:rPr lang="pt-BR" sz="2800" dirty="0">
+              <a:rPr lang="pt-BR" sz="2800">
                 <a:solidFill>
                   <a:srgbClr val="000000"/>
                 </a:solidFill>
@@ -3794,7 +3794,7 @@
               <a:t>print("Lista de números:", </a:t>
             </a:r>
             <a:r>
-              <a:rPr lang="pt-BR" sz="2800" dirty="0" err="1">
+              <a:rPr lang="pt-BR" sz="2800" err="1">
                 <a:solidFill>
                   <a:srgbClr val="000000"/>
                 </a:solidFill>
@@ -3804,7 +3804,7 @@
               <a:t>numeros</a:t>
             </a:r>
             <a:r>
-              <a:rPr lang="pt-BR" sz="2800" dirty="0">
+              <a:rPr lang="pt-BR" sz="2800">
                 <a:solidFill>
                   <a:srgbClr val="000000"/>
                 </a:solidFill>
@@ -3813,7 +3813,7 @@
               </a:rPr>
               <a:t>)</a:t>
             </a:r>
-            <a:endParaRPr lang="pt-BR" sz="2800" dirty="0">
+            <a:endParaRPr lang="pt-BR" sz="2800">
               <a:solidFill>
                 <a:srgbClr val="000000"/>
               </a:solidFill>
@@ -3852,7 +3852,7 @@
           <a:p>
             <a:pPr indent="226695"/>
             <a:r>
-              <a:rPr lang="pt-BR" sz="2400" dirty="0" err="1">
+              <a:rPr lang="pt-BR" sz="2400" err="1">
                 <a:solidFill>
                   <a:srgbClr val="000000"/>
                 </a:solidFill>
@@ -3862,7 +3862,7 @@
               <a:t>import</a:t>
             </a:r>
             <a:r>
-              <a:rPr lang="pt-BR" sz="2400" dirty="0">
+              <a:rPr lang="pt-BR" sz="2400">
                 <a:solidFill>
                   <a:srgbClr val="000000"/>
                 </a:solidFill>
@@ -3872,7 +3872,7 @@
               <a:t> </a:t>
             </a:r>
             <a:r>
-              <a:rPr lang="pt-BR" sz="2400" dirty="0" err="1">
+              <a:rPr lang="pt-BR" sz="2400" err="1">
                 <a:solidFill>
                   <a:srgbClr val="000000"/>
                 </a:solidFill>
@@ -3882,7 +3882,7 @@
               <a:t>numpy</a:t>
             </a:r>
             <a:r>
-              <a:rPr lang="pt-BR" sz="2400" dirty="0">
+              <a:rPr lang="pt-BR" sz="2400">
                 <a:solidFill>
                   <a:srgbClr val="000000"/>
                 </a:solidFill>
@@ -3892,7 +3892,7 @@
               <a:t> as </a:t>
             </a:r>
             <a:r>
-              <a:rPr lang="pt-BR" sz="2400" dirty="0" err="1">
+              <a:rPr lang="pt-BR" sz="2400" err="1">
                 <a:solidFill>
                   <a:srgbClr val="000000"/>
                 </a:solidFill>
@@ -3901,7 +3901,7 @@
               </a:rPr>
               <a:t>np</a:t>
             </a:r>
-            <a:endParaRPr lang="pt-BR" sz="2400" dirty="0">
+            <a:endParaRPr lang="pt-BR" sz="2400">
               <a:solidFill>
                 <a:srgbClr val="000000"/>
               </a:solidFill>
@@ -3912,7 +3912,7 @@
           <a:p>
             <a:pPr indent="226695"/>
             <a:r>
-              <a:rPr lang="pt-BR" sz="2400" dirty="0" err="1">
+              <a:rPr lang="pt-BR" sz="2400" err="1">
                 <a:solidFill>
                   <a:srgbClr val="000000"/>
                 </a:solidFill>
@@ -3922,7 +3922,7 @@
               <a:t>import</a:t>
             </a:r>
             <a:r>
-              <a:rPr lang="pt-BR" sz="2400" dirty="0">
+              <a:rPr lang="pt-BR" sz="2400">
                 <a:solidFill>
                   <a:srgbClr val="000000"/>
                 </a:solidFill>
@@ -3932,7 +3932,7 @@
               <a:t> </a:t>
             </a:r>
             <a:r>
-              <a:rPr lang="pt-BR" sz="2400" dirty="0" err="1">
+              <a:rPr lang="pt-BR" sz="2400" err="1">
                 <a:solidFill>
                   <a:srgbClr val="000000"/>
                 </a:solidFill>
@@ -3941,7 +3941,7 @@
               </a:rPr>
               <a:t>statistics</a:t>
             </a:r>
-            <a:endParaRPr lang="pt-BR" sz="2400" dirty="0">
+            <a:endParaRPr lang="pt-BR" sz="2400">
               <a:solidFill>
                 <a:srgbClr val="000000"/>
               </a:solidFill>
@@ -4010,7 +4010,7 @@
           <a:p>
             <a:pPr indent="226695"/>
             <a:r>
-              <a:rPr lang="pt-BR" sz="2800" dirty="0">
+              <a:rPr lang="pt-BR" sz="2800">
                 <a:solidFill>
                   <a:srgbClr val="000000"/>
                 </a:solidFill>
@@ -4019,7 +4019,7 @@
               </a:rPr>
               <a:t># 2. Calcular média, mediana e moda</a:t>
             </a:r>
-            <a:endParaRPr lang="pt-BR" sz="2800" dirty="0">
+            <a:endParaRPr lang="pt-BR" sz="2800">
               <a:solidFill>
                 <a:srgbClr val="000000"/>
               </a:solidFill>
@@ -4030,7 +4030,7 @@
           <a:p>
             <a:pPr indent="226695"/>
             <a:r>
-              <a:rPr lang="pt-BR" sz="2800" dirty="0">
+              <a:rPr lang="pt-BR" sz="2800">
                 <a:solidFill>
                   <a:srgbClr val="000000"/>
                 </a:solidFill>
@@ -4040,7 +4040,7 @@
               <a:t>media = </a:t>
             </a:r>
             <a:r>
-              <a:rPr lang="pt-BR" sz="2800" dirty="0" err="1">
+              <a:rPr lang="pt-BR" sz="2800" err="1">
                 <a:solidFill>
                   <a:srgbClr val="000000"/>
                 </a:solidFill>
@@ -4050,7 +4050,7 @@
               <a:t>statistics.mean</a:t>
             </a:r>
             <a:r>
-              <a:rPr lang="pt-BR" sz="2800" dirty="0">
+              <a:rPr lang="pt-BR" sz="2800">
                 <a:solidFill>
                   <a:srgbClr val="000000"/>
                 </a:solidFill>
@@ -4060,7 +4060,7 @@
               <a:t>(</a:t>
             </a:r>
             <a:r>
-              <a:rPr lang="pt-BR" sz="2800" dirty="0" err="1">
+              <a:rPr lang="pt-BR" sz="2800" err="1">
                 <a:solidFill>
                   <a:srgbClr val="000000"/>
                 </a:solidFill>
@@ -4070,7 +4070,7 @@
               <a:t>numeros</a:t>
             </a:r>
             <a:r>
-              <a:rPr lang="pt-BR" sz="2800" dirty="0">
+              <a:rPr lang="pt-BR" sz="2800">
                 <a:solidFill>
                   <a:srgbClr val="000000"/>
                 </a:solidFill>
@@ -4079,7 +4079,7 @@
               </a:rPr>
               <a:t>)</a:t>
             </a:r>
-            <a:endParaRPr lang="pt-BR" sz="2800" dirty="0">
+            <a:endParaRPr lang="pt-BR" sz="2800">
               <a:solidFill>
                 <a:srgbClr val="000000"/>
               </a:solidFill>
@@ -4090,7 +4090,7 @@
           <a:p>
             <a:pPr indent="226695"/>
             <a:r>
-              <a:rPr lang="pt-BR" sz="2800" dirty="0">
+              <a:rPr lang="pt-BR" sz="2800">
                 <a:solidFill>
                   <a:srgbClr val="000000"/>
                 </a:solidFill>
@@ -4100,7 +4100,7 @@
               <a:t>mediana = </a:t>
             </a:r>
             <a:r>
-              <a:rPr lang="pt-BR" sz="2800" dirty="0" err="1">
+              <a:rPr lang="pt-BR" sz="2800" err="1">
                 <a:solidFill>
                   <a:srgbClr val="000000"/>
                 </a:solidFill>
@@ -4110,7 +4110,7 @@
               <a:t>statistics.median</a:t>
             </a:r>
             <a:r>
-              <a:rPr lang="pt-BR" sz="2800" dirty="0">
+              <a:rPr lang="pt-BR" sz="2800">
                 <a:solidFill>
                   <a:srgbClr val="000000"/>
                 </a:solidFill>
@@ -4120,7 +4120,7 @@
               <a:t>(</a:t>
             </a:r>
             <a:r>
-              <a:rPr lang="pt-BR" sz="2800" dirty="0" err="1">
+              <a:rPr lang="pt-BR" sz="2800" err="1">
                 <a:solidFill>
                   <a:srgbClr val="000000"/>
                 </a:solidFill>
@@ -4130,7 +4130,7 @@
               <a:t>numeros</a:t>
             </a:r>
             <a:r>
-              <a:rPr lang="pt-BR" sz="2800" dirty="0">
+              <a:rPr lang="pt-BR" sz="2800">
                 <a:solidFill>
                   <a:srgbClr val="000000"/>
                 </a:solidFill>
@@ -4139,7 +4139,7 @@
               </a:rPr>
               <a:t>)</a:t>
             </a:r>
-            <a:endParaRPr lang="pt-BR" sz="2800" dirty="0">
+            <a:endParaRPr lang="pt-BR" sz="2800">
               <a:solidFill>
                 <a:srgbClr val="000000"/>
               </a:solidFill>
@@ -4150,7 +4150,7 @@
           <a:p>
             <a:pPr indent="226695"/>
             <a:r>
-              <a:rPr lang="pt-BR" sz="2800" dirty="0">
+              <a:rPr lang="pt-BR" sz="2800">
                 <a:solidFill>
                   <a:srgbClr val="000000"/>
                 </a:solidFill>
@@ -4159,7 +4159,7 @@
               </a:rPr>
               <a:t># A moda pode lançar exceção se não houver valor único mais frequente,</a:t>
             </a:r>
-            <a:endParaRPr lang="pt-BR" sz="2800" dirty="0">
+            <a:endParaRPr lang="pt-BR" sz="2800">
               <a:solidFill>
                 <a:srgbClr val="000000"/>
               </a:solidFill>
@@ -4170,7 +4170,7 @@
           <a:p>
             <a:pPr indent="226695"/>
             <a:r>
-              <a:rPr lang="pt-BR" sz="2800" dirty="0">
+              <a:rPr lang="pt-BR" sz="2800">
                 <a:solidFill>
                   <a:srgbClr val="000000"/>
                 </a:solidFill>
@@ -4180,7 +4180,7 @@
               <a:t># por isso usamos </a:t>
             </a:r>
             <a:r>
-              <a:rPr lang="pt-BR" sz="2800" dirty="0" err="1">
+              <a:rPr lang="pt-BR" sz="2800" err="1">
                 <a:solidFill>
                   <a:srgbClr val="000000"/>
                 </a:solidFill>
@@ -4190,7 +4190,7 @@
               <a:t>multimode</a:t>
             </a:r>
             <a:r>
-              <a:rPr lang="pt-BR" sz="2800" dirty="0">
+              <a:rPr lang="pt-BR" sz="2800">
                 <a:solidFill>
                   <a:srgbClr val="000000"/>
                 </a:solidFill>
@@ -4199,7 +4199,7 @@
               </a:rPr>
               <a:t> (retorna uma lista de todas as modas)</a:t>
             </a:r>
-            <a:endParaRPr lang="pt-BR" sz="2800" dirty="0">
+            <a:endParaRPr lang="pt-BR" sz="2800">
               <a:solidFill>
                 <a:srgbClr val="000000"/>
               </a:solidFill>
@@ -4210,7 +4210,7 @@
           <a:p>
             <a:pPr indent="226695"/>
             <a:r>
-              <a:rPr lang="pt-BR" sz="2800" dirty="0">
+              <a:rPr lang="pt-BR" sz="2800">
                 <a:solidFill>
                   <a:srgbClr val="000000"/>
                 </a:solidFill>
@@ -4220,7 +4220,7 @@
               <a:t>moda = </a:t>
             </a:r>
             <a:r>
-              <a:rPr lang="pt-BR" sz="2800" dirty="0" err="1">
+              <a:rPr lang="pt-BR" sz="2800" err="1">
                 <a:solidFill>
                   <a:srgbClr val="000000"/>
                 </a:solidFill>
@@ -4230,7 +4230,7 @@
               <a:t>statistics.multimode</a:t>
             </a:r>
             <a:r>
-              <a:rPr lang="pt-BR" sz="2800" dirty="0">
+              <a:rPr lang="pt-BR" sz="2800">
                 <a:solidFill>
                   <a:srgbClr val="000000"/>
                 </a:solidFill>
@@ -4240,7 +4240,7 @@
               <a:t>(</a:t>
             </a:r>
             <a:r>
-              <a:rPr lang="pt-BR" sz="2800" dirty="0" err="1">
+              <a:rPr lang="pt-BR" sz="2800" err="1">
                 <a:solidFill>
                   <a:srgbClr val="000000"/>
                 </a:solidFill>
@@ -4250,7 +4250,7 @@
               <a:t>numeros</a:t>
             </a:r>
             <a:r>
-              <a:rPr lang="pt-BR" sz="2800" dirty="0">
+              <a:rPr lang="pt-BR" sz="2800">
                 <a:solidFill>
                   <a:srgbClr val="000000"/>
                 </a:solidFill>
@@ -4259,7 +4259,7 @@
               </a:rPr>
               <a:t>)</a:t>
             </a:r>
-            <a:endParaRPr lang="pt-BR" sz="2800" dirty="0">
+            <a:endParaRPr lang="pt-BR" sz="2800">
               <a:solidFill>
                 <a:srgbClr val="000000"/>
               </a:solidFill>
@@ -4328,53 +4328,53 @@
           <a:lstStyle/>
           <a:p>
             <a:r>
-              <a:rPr lang="pt-BR" sz="3600" dirty="0"/>
+              <a:rPr lang="pt-BR" sz="3600"/>
               <a:t># Exemplo de lista</a:t>
             </a:r>
           </a:p>
           <a:p>
             <a:r>
-              <a:rPr lang="pt-BR" sz="3600" dirty="0" err="1"/>
+              <a:rPr lang="pt-BR" sz="3600" err="1"/>
               <a:t>numeros</a:t>
             </a:r>
             <a:r>
-              <a:rPr lang="pt-BR" sz="3600" dirty="0"/>
+              <a:rPr lang="pt-BR" sz="3600"/>
               <a:t> = [12, 15, 12, 18, 20, 15, 22, 19, 15, 10]</a:t>
             </a:r>
           </a:p>
           <a:p>
             <a:r>
-              <a:rPr lang="pt-BR" sz="3600" dirty="0"/>
+              <a:rPr lang="pt-BR" sz="3600"/>
               <a:t>________________________________________</a:t>
             </a:r>
           </a:p>
           <a:p>
             <a:r>
-              <a:rPr lang="pt-BR" sz="3600" dirty="0"/>
+              <a:rPr lang="pt-BR" sz="3600"/>
               <a:t>2. Variância e Desvio Padrão</a:t>
             </a:r>
           </a:p>
           <a:p>
             <a:r>
-              <a:rPr lang="pt-BR" sz="3600" dirty="0"/>
+              <a:rPr lang="pt-BR" sz="3600"/>
               <a:t>•	Descrição: Meça a dispersão dos dados.</a:t>
             </a:r>
           </a:p>
           <a:p>
             <a:r>
-              <a:rPr lang="pt-BR" sz="3600" dirty="0"/>
+              <a:rPr lang="pt-BR" sz="3600"/>
               <a:t>•	Tarefa:</a:t>
             </a:r>
           </a:p>
           <a:p>
             <a:r>
-              <a:rPr lang="pt-BR" sz="3600" dirty="0"/>
+              <a:rPr lang="pt-BR" sz="3600"/>
               <a:t>1.	Utilize a lista acima.</a:t>
             </a:r>
           </a:p>
           <a:p>
             <a:r>
-              <a:rPr lang="pt-BR" sz="3600" dirty="0"/>
+              <a:rPr lang="pt-BR" sz="3600"/>
               <a:t>2.	Calcule a variância e o desvio padrão.</a:t>
             </a:r>
           </a:p>
@@ -4438,39 +4438,39 @@
           <a:lstStyle/>
           <a:p>
             <a:r>
-              <a:rPr lang="pt-BR" sz="2800" dirty="0"/>
+              <a:rPr lang="pt-BR" sz="2800"/>
               <a:t>3. Distribuição de Frequência</a:t>
             </a:r>
           </a:p>
           <a:p>
             <a:r>
-              <a:rPr lang="pt-BR" sz="2800" dirty="0"/>
+              <a:rPr lang="pt-BR" sz="2800"/>
               <a:t>•	Descrição: Conte quantas vezes cada valor aparece.</a:t>
             </a:r>
           </a:p>
           <a:p>
             <a:r>
-              <a:rPr lang="pt-BR" sz="2800" dirty="0"/>
+              <a:rPr lang="pt-BR" sz="2800"/>
               <a:t>•	Tarefa:</a:t>
             </a:r>
           </a:p>
           <a:p>
             <a:r>
-              <a:rPr lang="pt-BR" sz="2800" dirty="0"/>
+              <a:rPr lang="pt-BR" sz="2800"/>
               <a:t>1.	Crie um histograma dos números do exercício 2 usando </a:t>
             </a:r>
             <a:r>
-              <a:rPr lang="pt-BR" sz="2800" dirty="0" err="1"/>
+              <a:rPr lang="pt-BR" sz="2800" err="1"/>
               <a:t>matplotlib</a:t>
             </a:r>
             <a:r>
-              <a:rPr lang="pt-BR" sz="2800" dirty="0"/>
+              <a:rPr lang="pt-BR" sz="2800"/>
               <a:t>.</a:t>
             </a:r>
           </a:p>
           <a:p>
             <a:r>
-              <a:rPr lang="pt-BR" sz="2800" dirty="0"/>
+              <a:rPr lang="pt-BR" sz="2800"/>
               <a:t>2.	Mostre a frequência de cada número usando um dicionário.</a:t>
             </a:r>
           </a:p>
@@ -4505,33 +4505,33 @@
           <a:lstStyle/>
           <a:p>
             <a:r>
-              <a:rPr lang="pt-BR" sz="2800" dirty="0"/>
+              <a:rPr lang="pt-BR" sz="2800"/>
               <a:t>Dicas: </a:t>
             </a:r>
           </a:p>
           <a:p>
             <a:r>
-              <a:rPr lang="pt-BR" sz="2800" dirty="0" err="1"/>
+              <a:rPr lang="pt-BR" sz="2800" err="1"/>
               <a:t>plt.hist</a:t>
             </a:r>
             <a:r>
-              <a:rPr lang="pt-BR" sz="2800" dirty="0"/>
+              <a:rPr lang="pt-BR" sz="2800"/>
               <a:t>.</a:t>
             </a:r>
           </a:p>
           <a:p>
             <a:r>
-              <a:rPr lang="pt-BR" sz="2800" dirty="0" err="1"/>
+              <a:rPr lang="pt-BR" sz="2800" err="1"/>
               <a:t>plt.title</a:t>
             </a:r>
-            <a:endParaRPr lang="pt-BR" sz="2800" dirty="0"/>
-          </a:p>
-          <a:p>
-            <a:r>
-              <a:rPr lang="pt-BR" sz="2800" dirty="0" err="1"/>
+            <a:endParaRPr lang="pt-BR" sz="2800"/>
+          </a:p>
+          <a:p>
+            <a:r>
+              <a:rPr lang="pt-BR" sz="2800" err="1"/>
               <a:t>plt.show</a:t>
             </a:r>
-            <a:endParaRPr lang="pt-BR" sz="2800" dirty="0"/>
+            <a:endParaRPr lang="pt-BR" sz="2800"/>
           </a:p>
         </p:txBody>
       </p:sp>
@@ -4564,103 +4564,103 @@
           <a:lstStyle/>
           <a:p>
             <a:r>
-              <a:rPr lang="pt-BR" sz="2400" dirty="0"/>
+              <a:rPr lang="pt-BR" sz="2400"/>
               <a:t>Um dicionário em Python é uma estrutura de dados que armazena pares de chave e valor (</a:t>
             </a:r>
             <a:r>
-              <a:rPr lang="pt-BR" sz="2400" dirty="0" err="1"/>
+              <a:rPr lang="pt-BR" sz="2400" err="1"/>
               <a:t>key-value</a:t>
             </a:r>
             <a:r>
-              <a:rPr lang="pt-BR" sz="2400" dirty="0"/>
+              <a:rPr lang="pt-BR" sz="2400"/>
               <a:t> </a:t>
             </a:r>
             <a:r>
-              <a:rPr lang="pt-BR" sz="2400" dirty="0" err="1"/>
+              <a:rPr lang="pt-BR" sz="2400" err="1"/>
               <a:t>pairs</a:t>
             </a:r>
             <a:r>
-              <a:rPr lang="pt-BR" sz="2400" dirty="0"/>
+              <a:rPr lang="pt-BR" sz="2400"/>
               <a:t>).</a:t>
             </a:r>
           </a:p>
           <a:p>
             <a:r>
-              <a:rPr lang="pt-BR" sz="2400" dirty="0"/>
+              <a:rPr lang="pt-BR" sz="2400"/>
               <a:t>✅ </a:t>
             </a:r>
             <a:r>
-              <a:rPr lang="pt-BR" sz="2400" dirty="0" err="1"/>
+              <a:rPr lang="pt-BR" sz="2400" err="1"/>
               <a:t>DefiniçãoÉ</a:t>
             </a:r>
             <a:r>
-              <a:rPr lang="pt-BR" sz="2400" dirty="0"/>
+              <a:rPr lang="pt-BR" sz="2400"/>
               <a:t> como uma tabela ou mapa associativo, onde:</a:t>
             </a:r>
           </a:p>
           <a:p>
             <a:r>
-              <a:rPr lang="pt-BR" sz="2400" dirty="0"/>
+              <a:rPr lang="pt-BR" sz="2400"/>
               <a:t>Cada chave (</a:t>
             </a:r>
             <a:r>
-              <a:rPr lang="pt-BR" sz="2400" dirty="0" err="1"/>
+              <a:rPr lang="pt-BR" sz="2400" err="1"/>
               <a:t>key</a:t>
             </a:r>
             <a:r>
-              <a:rPr lang="pt-BR" sz="2400" dirty="0"/>
+              <a:rPr lang="pt-BR" sz="2400"/>
               <a:t>) aponta para um valor (</a:t>
             </a:r>
             <a:r>
-              <a:rPr lang="pt-BR" sz="2400" dirty="0" err="1"/>
+              <a:rPr lang="pt-BR" sz="2400" err="1"/>
               <a:t>value</a:t>
             </a:r>
             <a:r>
-              <a:rPr lang="pt-BR" sz="2400" dirty="0"/>
+              <a:rPr lang="pt-BR" sz="2400"/>
               <a:t>).</a:t>
             </a:r>
           </a:p>
           <a:p>
             <a:r>
-              <a:rPr lang="pt-BR" sz="2400" dirty="0"/>
+              <a:rPr lang="pt-BR" sz="2400"/>
               <a:t>As chaves são únicas e imutáveis (</a:t>
             </a:r>
             <a:r>
-              <a:rPr lang="pt-BR" sz="2400" dirty="0" err="1"/>
+              <a:rPr lang="pt-BR" sz="2400" err="1"/>
               <a:t>ex</a:t>
             </a:r>
             <a:r>
-              <a:rPr lang="pt-BR" sz="2400" dirty="0"/>
+              <a:rPr lang="pt-BR" sz="2400"/>
               <a:t>: </a:t>
             </a:r>
             <a:r>
-              <a:rPr lang="pt-BR" sz="2400" dirty="0" err="1"/>
+              <a:rPr lang="pt-BR" sz="2400" err="1"/>
               <a:t>strings</a:t>
             </a:r>
             <a:r>
-              <a:rPr lang="pt-BR" sz="2400" dirty="0"/>
+              <a:rPr lang="pt-BR" sz="2400"/>
               <a:t>, números, </a:t>
             </a:r>
             <a:r>
-              <a:rPr lang="pt-BR" sz="2400" dirty="0" err="1"/>
+              <a:rPr lang="pt-BR" sz="2400" err="1"/>
               <a:t>tuplas</a:t>
             </a:r>
             <a:r>
-              <a:rPr lang="pt-BR" sz="2400" dirty="0"/>
+              <a:rPr lang="pt-BR" sz="2400"/>
               <a:t>).</a:t>
             </a:r>
           </a:p>
           <a:p>
             <a:r>
-              <a:rPr lang="pt-BR" sz="2400" dirty="0"/>
+              <a:rPr lang="pt-BR" sz="2400"/>
               <a:t>Os valores podem ser de qualquer tipo (</a:t>
             </a:r>
             <a:r>
-              <a:rPr lang="pt-BR" sz="2400" dirty="0" err="1"/>
+              <a:rPr lang="pt-BR" sz="2400" err="1"/>
               <a:t>strings</a:t>
             </a:r>
             <a:r>
-              <a:rPr lang="pt-BR" sz="2400" dirty="0"/>
+              <a:rPr lang="pt-BR" sz="2400"/>
               <a:t>, listas, números, outros dicionários...).</a:t>
             </a:r>
           </a:p>
@@ -4724,39 +4724,39 @@
           <a:lstStyle/>
           <a:p>
             <a:r>
-              <a:rPr lang="pt-BR" sz="2800" dirty="0"/>
+              <a:rPr lang="pt-BR" sz="2800"/>
               <a:t>3. Distribuição de Frequência</a:t>
             </a:r>
           </a:p>
           <a:p>
             <a:r>
-              <a:rPr lang="pt-BR" sz="2800" dirty="0"/>
+              <a:rPr lang="pt-BR" sz="2800"/>
               <a:t>•	Descrição: Conte quantas vezes cada valor aparece.</a:t>
             </a:r>
           </a:p>
           <a:p>
             <a:r>
-              <a:rPr lang="pt-BR" sz="2800" dirty="0"/>
+              <a:rPr lang="pt-BR" sz="2800"/>
               <a:t>•	Tarefa:</a:t>
             </a:r>
           </a:p>
           <a:p>
             <a:r>
-              <a:rPr lang="pt-BR" sz="2800" dirty="0"/>
+              <a:rPr lang="pt-BR" sz="2800"/>
               <a:t>1.	Crie um histograma dos números do exercício 2 usando </a:t>
             </a:r>
             <a:r>
-              <a:rPr lang="pt-BR" sz="2800" dirty="0" err="1"/>
+              <a:rPr lang="pt-BR" sz="2800" err="1"/>
               <a:t>matplotlib</a:t>
             </a:r>
             <a:r>
-              <a:rPr lang="pt-BR" sz="2800" dirty="0"/>
+              <a:rPr lang="pt-BR" sz="2800"/>
               <a:t>.</a:t>
             </a:r>
           </a:p>
           <a:p>
             <a:r>
-              <a:rPr lang="pt-BR" sz="2800" dirty="0"/>
+              <a:rPr lang="pt-BR" sz="2800"/>
               <a:t>2.	Mostre a frequência de cada número usando um dicionário.</a:t>
             </a:r>
           </a:p>
@@ -4791,144 +4791,144 @@
           <a:lstStyle/>
           <a:p>
             <a:r>
-              <a:rPr lang="pt-BR" sz="2800" b="1" dirty="0" err="1"/>
+              <a:rPr lang="pt-BR" sz="2800" b="1" err="1"/>
               <a:t>plt.hist</a:t>
             </a:r>
             <a:r>
-              <a:rPr lang="pt-BR" sz="2800" b="1" dirty="0"/>
+              <a:rPr lang="pt-BR" sz="2800" b="1"/>
               <a:t>(</a:t>
             </a:r>
             <a:r>
-              <a:rPr lang="pt-BR" sz="2800" b="1" dirty="0" err="1"/>
+              <a:rPr lang="pt-BR" sz="2800" b="1" err="1"/>
               <a:t>numeros</a:t>
             </a:r>
             <a:r>
-              <a:rPr lang="pt-BR" sz="2800" b="1" dirty="0"/>
+              <a:rPr lang="pt-BR" sz="2800" b="1"/>
               <a:t>, </a:t>
             </a:r>
             <a:r>
-              <a:rPr lang="pt-BR" sz="2800" b="1" dirty="0" err="1"/>
+              <a:rPr lang="pt-BR" sz="2800" b="1" err="1"/>
               <a:t>bins</a:t>
             </a:r>
             <a:r>
-              <a:rPr lang="pt-BR" sz="2800" b="1" dirty="0"/>
+              <a:rPr lang="pt-BR" sz="2800" b="1"/>
               <a:t>=range(min(</a:t>
             </a:r>
             <a:r>
-              <a:rPr lang="pt-BR" sz="2800" b="1" dirty="0" err="1"/>
+              <a:rPr lang="pt-BR" sz="2800" b="1" err="1"/>
               <a:t>numeros</a:t>
             </a:r>
             <a:r>
-              <a:rPr lang="pt-BR" sz="2800" b="1" dirty="0"/>
+              <a:rPr lang="pt-BR" sz="2800" b="1"/>
               <a:t>), </a:t>
             </a:r>
             <a:r>
-              <a:rPr lang="pt-BR" sz="2800" b="1" dirty="0" err="1"/>
+              <a:rPr lang="pt-BR" sz="2800" b="1" err="1"/>
               <a:t>max</a:t>
             </a:r>
             <a:r>
-              <a:rPr lang="pt-BR" sz="2800" b="1" dirty="0"/>
+              <a:rPr lang="pt-BR" sz="2800" b="1"/>
               <a:t>(</a:t>
             </a:r>
             <a:r>
-              <a:rPr lang="pt-BR" sz="2800" b="1" dirty="0" err="1"/>
+              <a:rPr lang="pt-BR" sz="2800" b="1" err="1"/>
               <a:t>numeros</a:t>
             </a:r>
             <a:r>
-              <a:rPr lang="pt-BR" sz="2800" b="1" dirty="0"/>
+              <a:rPr lang="pt-BR" sz="2800" b="1"/>
               <a:t>)+2), </a:t>
             </a:r>
             <a:r>
-              <a:rPr lang="pt-BR" sz="2800" b="1" dirty="0" err="1"/>
+              <a:rPr lang="pt-BR" sz="2800" b="1" err="1"/>
               <a:t>edgecolor</a:t>
             </a:r>
             <a:r>
-              <a:rPr lang="pt-BR" sz="2800" b="1" dirty="0"/>
+              <a:rPr lang="pt-BR" sz="2800" b="1"/>
               <a:t>='</a:t>
             </a:r>
             <a:r>
-              <a:rPr lang="pt-BR" sz="2800" b="1" dirty="0" err="1"/>
+              <a:rPr lang="pt-BR" sz="2800" b="1" err="1"/>
               <a:t>black</a:t>
             </a:r>
             <a:r>
-              <a:rPr lang="pt-BR" sz="2800" b="1" dirty="0"/>
+              <a:rPr lang="pt-BR" sz="2800" b="1"/>
               <a:t>')</a:t>
             </a:r>
-            <a:endParaRPr lang="pt-BR" sz="2800" dirty="0"/>
-          </a:p>
-          <a:p>
-            <a:r>
-              <a:rPr lang="pt-BR" sz="2800" b="1" dirty="0" err="1"/>
+            <a:endParaRPr lang="pt-BR" sz="2800"/>
+          </a:p>
+          <a:p>
+            <a:r>
+              <a:rPr lang="pt-BR" sz="2800" b="1" err="1"/>
               <a:t>plt.title</a:t>
             </a:r>
             <a:r>
-              <a:rPr lang="pt-BR" sz="2800" b="1" dirty="0"/>
+              <a:rPr lang="pt-BR" sz="2800" b="1"/>
               <a:t>('Histograma dos Números')</a:t>
             </a:r>
-            <a:endParaRPr lang="pt-BR" sz="2800" dirty="0"/>
-          </a:p>
-          <a:p>
-            <a:r>
-              <a:rPr lang="pt-BR" sz="2800" b="1" dirty="0" err="1"/>
+            <a:endParaRPr lang="pt-BR" sz="2800"/>
+          </a:p>
+          <a:p>
+            <a:r>
+              <a:rPr lang="pt-BR" sz="2800" b="1" err="1"/>
               <a:t>plt.show</a:t>
             </a:r>
             <a:r>
-              <a:rPr lang="pt-BR" sz="2800" b="1" dirty="0"/>
+              <a:rPr lang="pt-BR" sz="2800" b="1"/>
               <a:t>()</a:t>
             </a:r>
-            <a:endParaRPr lang="pt-BR" sz="2800" dirty="0"/>
-          </a:p>
-          <a:p>
-            <a:r>
-              <a:rPr lang="pt-BR" sz="2800" b="1" dirty="0"/>
+            <a:endParaRPr lang="pt-BR" sz="2800"/>
+          </a:p>
+          <a:p>
+            <a:r>
+              <a:rPr lang="pt-BR" sz="2800" b="1"/>
               <a:t> </a:t>
             </a:r>
-            <a:endParaRPr lang="pt-BR" sz="2800" dirty="0"/>
-          </a:p>
-          <a:p>
-            <a:r>
-              <a:rPr lang="pt-BR" sz="2800" b="1" dirty="0" err="1"/>
+            <a:endParaRPr lang="pt-BR" sz="2800"/>
+          </a:p>
+          <a:p>
+            <a:r>
+              <a:rPr lang="pt-BR" sz="2800" b="1" err="1"/>
               <a:t>freq</a:t>
             </a:r>
             <a:r>
-              <a:rPr lang="pt-BR" sz="2800" b="1" dirty="0"/>
+              <a:rPr lang="pt-BR" sz="2800" b="1"/>
               <a:t> = {x: </a:t>
             </a:r>
             <a:r>
-              <a:rPr lang="pt-BR" sz="2800" b="1" dirty="0" err="1"/>
+              <a:rPr lang="pt-BR" sz="2800" b="1" err="1"/>
               <a:t>numeros.count</a:t>
             </a:r>
             <a:r>
-              <a:rPr lang="pt-BR" sz="2800" b="1" dirty="0"/>
+              <a:rPr lang="pt-BR" sz="2800" b="1"/>
               <a:t>(x) for x in set(</a:t>
             </a:r>
             <a:r>
-              <a:rPr lang="pt-BR" sz="2800" b="1" dirty="0" err="1"/>
+              <a:rPr lang="pt-BR" sz="2800" b="1" err="1"/>
               <a:t>numeros</a:t>
             </a:r>
             <a:r>
-              <a:rPr lang="pt-BR" sz="2800" b="1" dirty="0"/>
+              <a:rPr lang="pt-BR" sz="2800" b="1"/>
               <a:t>)}</a:t>
             </a:r>
-            <a:endParaRPr lang="pt-BR" sz="2800" dirty="0"/>
-          </a:p>
-          <a:p>
-            <a:r>
-              <a:rPr lang="pt-BR" sz="2800" b="1" dirty="0"/>
+            <a:endParaRPr lang="pt-BR" sz="2800"/>
+          </a:p>
+          <a:p>
+            <a:r>
+              <a:rPr lang="pt-BR" sz="2800" b="1"/>
               <a:t>print("Frequência:", </a:t>
             </a:r>
             <a:r>
-              <a:rPr lang="pt-BR" sz="2800" b="1" dirty="0" err="1"/>
+              <a:rPr lang="pt-BR" sz="2800" b="1" err="1"/>
               <a:t>freq</a:t>
             </a:r>
             <a:r>
-              <a:rPr lang="pt-BR" sz="2800" b="1" dirty="0"/>
+              <a:rPr lang="pt-BR" sz="2800" b="1"/>
               <a:t>)</a:t>
             </a:r>
-            <a:endParaRPr lang="pt-BR" sz="2800" dirty="0"/>
-          </a:p>
-          <a:p>
-            <a:endParaRPr lang="pt-BR" dirty="0"/>
+            <a:endParaRPr lang="pt-BR" sz="2800"/>
+          </a:p>
+          <a:p>
+            <a:endParaRPr lang="pt-BR"/>
           </a:p>
         </p:txBody>
       </p:sp>
@@ -5321,6 +5321,17 @@
 </file>
 
 <file path=customXml/item1.xml><?xml version="1.0" encoding="utf-8"?>
+<p:properties xmlns:p="http://schemas.microsoft.com/office/2006/metadata/properties" xmlns:xsi="http://www.w3.org/2001/XMLSchema-instance" xmlns:pc="http://schemas.microsoft.com/office/infopath/2007/PartnerControls">
+  <documentManagement>
+    <lcf76f155ced4ddcb4097134ff3c332f xmlns="cda1a4e9-092b-41d2-9ab4-235eed328500">
+      <Terms xmlns="http://schemas.microsoft.com/office/infopath/2007/PartnerControls"/>
+    </lcf76f155ced4ddcb4097134ff3c332f>
+    <TaxCatchAll xmlns="d1c70a27-449a-48fd-999c-114e0f37d88c" xsi:nil="true"/>
+  </documentManagement>
+</p:properties>
+</file>
+
+<file path=customXml/item2.xml><?xml version="1.0" encoding="utf-8"?>
 <?mso-contentType ?>
 <FormTemplates xmlns="http://schemas.microsoft.com/sharepoint/v3/contenttype/forms">
   <Display>DocumentLibraryForm</Display>
@@ -5329,7 +5340,7 @@
 </FormTemplates>
 </file>
 
-<file path=customXml/item2.xml><?xml version="1.0" encoding="utf-8"?>
+<file path=customXml/item3.xml><?xml version="1.0" encoding="utf-8"?>
 <ct:contentTypeSchema xmlns:ct="http://schemas.microsoft.com/office/2006/metadata/contentType" xmlns:ma="http://schemas.microsoft.com/office/2006/metadata/properties/metaAttributes" ct:_="" ma:_="" ma:contentTypeName="Documento" ma:contentTypeID="0x01010013B1C5CF22401748BB49F47BC6E37036" ma:contentTypeVersion="10" ma:contentTypeDescription="Crie um novo documento." ma:contentTypeScope="" ma:versionID="b56505d1aba82904f1c53839dece339e">
   <xsd:schema xmlns:xsd="http://www.w3.org/2001/XMLSchema" xmlns:xs="http://www.w3.org/2001/XMLSchema" xmlns:p="http://schemas.microsoft.com/office/2006/metadata/properties" xmlns:ns2="cda1a4e9-092b-41d2-9ab4-235eed328500" xmlns:ns3="d1c70a27-449a-48fd-999c-114e0f37d88c" targetNamespace="http://schemas.microsoft.com/office/2006/metadata/properties" ma:root="true" ma:fieldsID="f229e0a0788819d0c9d7bb15a9390657" ns2:_="" ns3:_="">
     <xsd:import namespace="cda1a4e9-092b-41d2-9ab4-235eed328500"/>
@@ -5518,18 +5529,18 @@
 </ct:contentTypeSchema>
 </file>
 
-<file path=customXml/item3.xml><?xml version="1.0" encoding="utf-8"?>
-<p:properties xmlns:p="http://schemas.microsoft.com/office/2006/metadata/properties" xmlns:xsi="http://www.w3.org/2001/XMLSchema-instance" xmlns:pc="http://schemas.microsoft.com/office/infopath/2007/PartnerControls">
-  <documentManagement>
-    <lcf76f155ced4ddcb4097134ff3c332f xmlns="cda1a4e9-092b-41d2-9ab4-235eed328500">
-      <Terms xmlns="http://schemas.microsoft.com/office/infopath/2007/PartnerControls"/>
-    </lcf76f155ced4ddcb4097134ff3c332f>
-    <TaxCatchAll xmlns="d1c70a27-449a-48fd-999c-114e0f37d88c" xsi:nil="true"/>
-  </documentManagement>
-</p:properties>
+<file path=customXml/itemProps1.xml><?xml version="1.0" encoding="utf-8"?>
+<ds:datastoreItem xmlns:ds="http://schemas.openxmlformats.org/officeDocument/2006/customXml" ds:itemID="{E927EE22-CA4D-4826-94D7-BEC7B814D34D}">
+  <ds:schemaRefs>
+    <ds:schemaRef ds:uri="cda1a4e9-092b-41d2-9ab4-235eed328500"/>
+    <ds:schemaRef ds:uri="d1c70a27-449a-48fd-999c-114e0f37d88c"/>
+    <ds:schemaRef ds:uri="http://schemas.microsoft.com/office/2006/metadata/properties"/>
+    <ds:schemaRef ds:uri="http://schemas.microsoft.com/office/infopath/2007/PartnerControls"/>
+  </ds:schemaRefs>
+</ds:datastoreItem>
 </file>
 
-<file path=customXml/itemProps1.xml><?xml version="1.0" encoding="utf-8"?>
+<file path=customXml/itemProps2.xml><?xml version="1.0" encoding="utf-8"?>
 <ds:datastoreItem xmlns:ds="http://schemas.openxmlformats.org/officeDocument/2006/customXml" ds:itemID="{B6902931-2B0E-4974-84DF-ED6E0F3C97BD}">
   <ds:schemaRefs>
     <ds:schemaRef ds:uri="http://schemas.microsoft.com/sharepoint/v3/contenttype/forms"/>
@@ -5537,32 +5548,21 @@
 </ds:datastoreItem>
 </file>
 
-<file path=customXml/itemProps2.xml><?xml version="1.0" encoding="utf-8"?>
+<file path=customXml/itemProps3.xml><?xml version="1.0" encoding="utf-8"?>
 <ds:datastoreItem xmlns:ds="http://schemas.openxmlformats.org/officeDocument/2006/customXml" ds:itemID="{FE02B732-CC3A-4567-9A60-5F7A1F9C3966}">
   <ds:schemaRefs>
-    <ds:schemaRef ds:uri="http://schemas.microsoft.com/office/2006/metadata/contentType"/>
-    <ds:schemaRef ds:uri="http://schemas.microsoft.com/office/2006/metadata/properties/metaAttributes"/>
-    <ds:schemaRef ds:uri="http://www.w3.org/2001/XMLSchema"/>
-    <ds:schemaRef ds:uri="http://schemas.microsoft.com/office/2006/metadata/properties"/>
     <ds:schemaRef ds:uri="cda1a4e9-092b-41d2-9ab4-235eed328500"/>
     <ds:schemaRef ds:uri="d1c70a27-449a-48fd-999c-114e0f37d88c"/>
-    <ds:schemaRef ds:uri="http://schemas.microsoft.com/office/2006/documentManagement/types"/>
-    <ds:schemaRef ds:uri="http://schemas.microsoft.com/office/infopath/2007/PartnerControls"/>
-    <ds:schemaRef ds:uri="http://schemas.openxmlformats.org/package/2006/metadata/core-properties"/>
     <ds:schemaRef ds:uri="http://purl.org/dc/elements/1.1/"/>
     <ds:schemaRef ds:uri="http://purl.org/dc/terms/"/>
     <ds:schemaRef ds:uri="http://schemas.microsoft.com/internal/obd"/>
-  </ds:schemaRefs>
-</ds:datastoreItem>
-</file>
-
-<file path=customXml/itemProps3.xml><?xml version="1.0" encoding="utf-8"?>
-<ds:datastoreItem xmlns:ds="http://schemas.openxmlformats.org/officeDocument/2006/customXml" ds:itemID="{E927EE22-CA4D-4826-94D7-BEC7B814D34D}">
-  <ds:schemaRefs>
+    <ds:schemaRef ds:uri="http://schemas.microsoft.com/office/2006/documentManagement/types"/>
+    <ds:schemaRef ds:uri="http://schemas.microsoft.com/office/2006/metadata/contentType"/>
     <ds:schemaRef ds:uri="http://schemas.microsoft.com/office/2006/metadata/properties"/>
+    <ds:schemaRef ds:uri="http://schemas.microsoft.com/office/2006/metadata/properties/metaAttributes"/>
     <ds:schemaRef ds:uri="http://schemas.microsoft.com/office/infopath/2007/PartnerControls"/>
-    <ds:schemaRef ds:uri="cda1a4e9-092b-41d2-9ab4-235eed328500"/>
-    <ds:schemaRef ds:uri="d1c70a27-449a-48fd-999c-114e0f37d88c"/>
+    <ds:schemaRef ds:uri="http://schemas.openxmlformats.org/package/2006/metadata/core-properties"/>
+    <ds:schemaRef ds:uri="http://www.w3.org/2001/XMLSchema"/>
   </ds:schemaRefs>
 </ds:datastoreItem>
 </file>